--- a/esoneroMP.pptx
+++ b/esoneroMP.pptx
@@ -3149,6 +3149,18 @@
   <p:clrMapOvr>
     <a:masterClrMapping/>
   </p:clrMapOvr>
+  <mc:AlternateContent xmlns:mc="http://schemas.openxmlformats.org/markup-compatibility/2006">
+    <mc:Choice xmlns:p14="http://schemas.microsoft.com/office/powerpoint/2010/main" Requires="p14">
+      <p:transition p14:dur="450">
+        <p14:flythrough/>
+      </p:transition>
+    </mc:Choice>
+    <mc:Fallback>
+      <p:transition>
+        <p:fade/>
+      </p:transition>
+    </mc:Fallback>
+  </mc:AlternateContent>
 </p:sldLayout>
 </file>
 
@@ -3433,6 +3445,18 @@
   <p:clrMapOvr>
     <a:masterClrMapping/>
   </p:clrMapOvr>
+  <mc:AlternateContent xmlns:mc="http://schemas.openxmlformats.org/markup-compatibility/2006">
+    <mc:Choice xmlns:p14="http://schemas.microsoft.com/office/powerpoint/2010/main" Requires="p14">
+      <p:transition p14:dur="450">
+        <p14:flythrough/>
+      </p:transition>
+    </mc:Choice>
+    <mc:Fallback>
+      <p:transition>
+        <p:fade/>
+      </p:transition>
+    </mc:Fallback>
+  </mc:AlternateContent>
 </p:sldLayout>
 </file>
 
@@ -3598,6 +3622,18 @@
   <p:clrMapOvr>
     <a:masterClrMapping/>
   </p:clrMapOvr>
+  <mc:AlternateContent xmlns:mc="http://schemas.openxmlformats.org/markup-compatibility/2006">
+    <mc:Choice xmlns:p14="http://schemas.microsoft.com/office/powerpoint/2010/main" Requires="p14">
+      <p:transition p14:dur="450">
+        <p14:flythrough/>
+      </p:transition>
+    </mc:Choice>
+    <mc:Fallback>
+      <p:transition>
+        <p:fade/>
+      </p:transition>
+    </mc:Fallback>
+  </mc:AlternateContent>
 </p:sldLayout>
 </file>
 
@@ -3729,6 +3765,18 @@
   <p:clrMapOvr>
     <a:masterClrMapping/>
   </p:clrMapOvr>
+  <mc:AlternateContent xmlns:mc="http://schemas.openxmlformats.org/markup-compatibility/2006">
+    <mc:Choice xmlns:p14="http://schemas.microsoft.com/office/powerpoint/2010/main" Requires="p14">
+      <p:transition p14:dur="450">
+        <p14:flythrough/>
+      </p:transition>
+    </mc:Choice>
+    <mc:Fallback>
+      <p:transition>
+        <p:fade/>
+      </p:transition>
+    </mc:Fallback>
+  </mc:AlternateContent>
 </p:sldLayout>
 </file>
 
@@ -4063,6 +4111,18 @@
   <p:clrMapOvr>
     <a:overrideClrMapping bg1="dk1" tx1="lt1" bg2="dk2" tx2="lt2" accent1="accent1" accent2="accent2" accent3="accent3" accent4="accent4" accent5="accent5" accent6="accent6" hlink="hlink" folHlink="folHlink"/>
   </p:clrMapOvr>
+  <mc:AlternateContent xmlns:mc="http://schemas.openxmlformats.org/markup-compatibility/2006">
+    <mc:Choice xmlns:p14="http://schemas.microsoft.com/office/powerpoint/2010/main" Requires="p14">
+      <p:transition p14:dur="450">
+        <p14:flythrough/>
+      </p:transition>
+    </mc:Choice>
+    <mc:Fallback>
+      <p:transition>
+        <p:fade/>
+      </p:transition>
+    </mc:Fallback>
+  </mc:AlternateContent>
 </p:sldLayout>
 </file>
 
@@ -4353,6 +4413,18 @@
   <p:clrMapOvr>
     <a:masterClrMapping/>
   </p:clrMapOvr>
+  <mc:AlternateContent xmlns:mc="http://schemas.openxmlformats.org/markup-compatibility/2006">
+    <mc:Choice xmlns:p14="http://schemas.microsoft.com/office/powerpoint/2010/main" Requires="p14">
+      <p:transition p14:dur="450">
+        <p14:flythrough/>
+      </p:transition>
+    </mc:Choice>
+    <mc:Fallback>
+      <p:transition>
+        <p:fade/>
+      </p:transition>
+    </mc:Fallback>
+  </mc:AlternateContent>
 </p:sldLayout>
 </file>
 
@@ -4951,6 +5023,18 @@
   <p:clrMapOvr>
     <a:masterClrMapping/>
   </p:clrMapOvr>
+  <mc:AlternateContent xmlns:mc="http://schemas.openxmlformats.org/markup-compatibility/2006">
+    <mc:Choice xmlns:p14="http://schemas.microsoft.com/office/powerpoint/2010/main" Requires="p14">
+      <p:transition p14:dur="450">
+        <p14:flythrough/>
+      </p:transition>
+    </mc:Choice>
+    <mc:Fallback>
+      <p:transition>
+        <p:fade/>
+      </p:transition>
+    </mc:Fallback>
+  </mc:AlternateContent>
 </p:sldLayout>
 </file>
 
@@ -5276,6 +5360,18 @@
   <p:clrMapOvr>
     <a:masterClrMapping/>
   </p:clrMapOvr>
+  <mc:AlternateContent xmlns:mc="http://schemas.openxmlformats.org/markup-compatibility/2006">
+    <mc:Choice xmlns:p14="http://schemas.microsoft.com/office/powerpoint/2010/main" Requires="p14">
+      <p:transition p14:dur="450">
+        <p14:flythrough/>
+      </p:transition>
+    </mc:Choice>
+    <mc:Fallback>
+      <p:transition>
+        <p:fade/>
+      </p:transition>
+    </mc:Fallback>
+  </mc:AlternateContent>
 </p:sldLayout>
 </file>
 
@@ -5601,6 +5697,18 @@
   <p:clrMapOvr>
     <a:masterClrMapping/>
   </p:clrMapOvr>
+  <mc:AlternateContent xmlns:mc="http://schemas.openxmlformats.org/markup-compatibility/2006">
+    <mc:Choice xmlns:p14="http://schemas.microsoft.com/office/powerpoint/2010/main" Requires="p14">
+      <p:transition p14:dur="450">
+        <p14:flythrough/>
+      </p:transition>
+    </mc:Choice>
+    <mc:Fallback>
+      <p:transition>
+        <p:fade/>
+      </p:transition>
+    </mc:Fallback>
+  </mc:AlternateContent>
 </p:sldLayout>
 </file>
 
@@ -6233,6 +6341,18 @@
   <p:clrMapOvr>
     <a:masterClrMapping/>
   </p:clrMapOvr>
+  <mc:AlternateContent xmlns:mc="http://schemas.openxmlformats.org/markup-compatibility/2006">
+    <mc:Choice xmlns:p14="http://schemas.microsoft.com/office/powerpoint/2010/main" Requires="p14">
+      <p:transition p14:dur="450">
+        <p14:flythrough/>
+      </p:transition>
+    </mc:Choice>
+    <mc:Fallback>
+      <p:transition>
+        <p:fade/>
+      </p:transition>
+    </mc:Fallback>
+  </mc:AlternateContent>
 </p:sldLayout>
 </file>
 
@@ -6739,6 +6859,18 @@
   <p:clrMapOvr>
     <a:masterClrMapping/>
   </p:clrMapOvr>
+  <mc:AlternateContent xmlns:mc="http://schemas.openxmlformats.org/markup-compatibility/2006">
+    <mc:Choice xmlns:p14="http://schemas.microsoft.com/office/powerpoint/2010/main" Requires="p14">
+      <p:transition p14:dur="450">
+        <p14:flythrough/>
+      </p:transition>
+    </mc:Choice>
+    <mc:Fallback>
+      <p:transition>
+        <p:fade/>
+      </p:transition>
+    </mc:Fallback>
+  </mc:AlternateContent>
 </p:sldLayout>
 </file>
 
@@ -7141,6 +7273,18 @@
   <p:clrMapOvr>
     <a:masterClrMapping/>
   </p:clrMapOvr>
+  <mc:AlternateContent xmlns:mc="http://schemas.openxmlformats.org/markup-compatibility/2006">
+    <mc:Choice xmlns:p14="http://schemas.microsoft.com/office/powerpoint/2010/main" Requires="p14">
+      <p:transition p14:dur="450">
+        <p14:flythrough/>
+      </p:transition>
+    </mc:Choice>
+    <mc:Fallback>
+      <p:transition>
+        <p:fade/>
+      </p:transition>
+    </mc:Fallback>
+  </mc:AlternateContent>
 </p:sldLayout>
 </file>
 
@@ -7436,6 +7580,18 @@
     <p:sldLayoutId id="2147483666" r:id="rId11"/>
     <p:sldLayoutId id="2147483667" r:id="rId12"/>
   </p:sldLayoutIdLst>
+  <mc:AlternateContent xmlns:mc="http://schemas.openxmlformats.org/markup-compatibility/2006">
+    <mc:Choice xmlns:p14="http://schemas.microsoft.com/office/powerpoint/2010/main" Requires="p14">
+      <p:transition p14:dur="450">
+        <p14:flythrough/>
+      </p:transition>
+    </mc:Choice>
+    <mc:Fallback>
+      <p:transition>
+        <p:fade/>
+      </p:transition>
+    </mc:Fallback>
+  </mc:AlternateContent>
   <p:hf hdr="0" dt="0"/>
   <p:txStyles>
     <p:titleStyle>
@@ -8553,8 +8709,8 @@
         </p:nvSpPr>
         <p:spPr bwMode="white">
           <a:xfrm>
-            <a:off x="413507" y="5165558"/>
-            <a:ext cx="7118261" cy="882316"/>
+            <a:off x="-293859" y="4876652"/>
+            <a:ext cx="6987957" cy="821174"/>
           </a:xfrm>
           <a:prstGeom prst="rect">
             <a:avLst/>
@@ -8791,7 +8947,7 @@
           </a:lstStyle>
           <a:p>
             <a:r>
-              <a:rPr lang="it-IT" sz="5175" b="1" spc="-150" dirty="0"/>
+              <a:rPr lang="it-IT" sz="4800" b="1" spc="-150" dirty="0"/>
               <a:t>Bluetooth in android</a:t>
             </a:r>
           </a:p>
@@ -8813,6 +8969,18 @@
   <p:clrMapOvr>
     <a:masterClrMapping/>
   </p:clrMapOvr>
+  <mc:AlternateContent xmlns:mc="http://schemas.openxmlformats.org/markup-compatibility/2006">
+    <mc:Choice xmlns:p14="http://schemas.microsoft.com/office/powerpoint/2010/main" Requires="p14">
+      <p:transition p14:dur="450">
+        <p14:flythrough/>
+      </p:transition>
+    </mc:Choice>
+    <mc:Fallback>
+      <p:transition>
+        <p:fade/>
+      </p:transition>
+    </mc:Fallback>
+  </mc:AlternateContent>
 </p:sld>
 </file>
 
@@ -8894,7 +9062,7 @@
             </a:pPr>
             <a:r>
               <a:rPr lang="it-IT" sz="1400" dirty="0"/>
-              <a:t>Per esempio, in questo caso, se l’utente accetterà la richiesta nell’ </a:t>
+              <a:t>Anche in questo caso viene mostrato un </a:t>
             </a:r>
             <a:r>
               <a:rPr lang="it-IT" sz="1400" i="1" dirty="0" err="1"/>
@@ -8902,11 +9070,11 @@
             </a:r>
             <a:r>
               <a:rPr lang="it-IT" sz="1400" i="1" dirty="0"/>
-              <a:t>, </a:t>
+              <a:t> all’utente, </a:t>
             </a:r>
             <a:r>
               <a:rPr lang="it-IT" sz="1400" dirty="0"/>
-              <a:t>il dispositivo diventerà visibile agli altri per 120 secondi.</a:t>
+              <a:t>in cui l’utente deciderà se accettare o meno.</a:t>
             </a:r>
             <a:endParaRPr lang="it-IT" sz="1400" i="1" dirty="0"/>
           </a:p>
@@ -8934,7 +9102,7 @@
         </p:blipFill>
         <p:spPr>
           <a:xfrm>
-            <a:off x="4162686" y="2282772"/>
+            <a:off x="3696859" y="3429000"/>
             <a:ext cx="3350815" cy="1477044"/>
           </a:xfrm>
           <a:prstGeom prst="rect">
@@ -9011,6 +9179,18 @@
   <p:clrMapOvr>
     <a:masterClrMapping/>
   </p:clrMapOvr>
+  <mc:AlternateContent xmlns:mc="http://schemas.openxmlformats.org/markup-compatibility/2006">
+    <mc:Choice xmlns:p14="http://schemas.microsoft.com/office/powerpoint/2010/main" Requires="p14">
+      <p:transition p14:dur="450">
+        <p14:flythrough/>
+      </p:transition>
+    </mc:Choice>
+    <mc:Fallback>
+      <p:transition>
+        <p:fade/>
+      </p:transition>
+    </mc:Fallback>
+  </mc:AlternateContent>
 </p:sld>
 </file>
 
@@ -9091,7 +9271,7 @@
             </a:pPr>
             <a:r>
               <a:rPr lang="it-IT" sz="1400" dirty="0"/>
-              <a:t>Prima di avviare la ricerca di nuovi dispositivi, controlliamo prima che tutti i permessi relativi alla posizione siano stati autorizzati dall’utente. </a:t>
+              <a:t>Prima di avviare la ricerca di nuovi dispositivi, controlliamo che tutti i permessi relativi alla posizione siano stati autorizzati dall’utente. </a:t>
             </a:r>
           </a:p>
         </p:txBody>
@@ -9112,7 +9292,7 @@
         </p:nvSpPr>
         <p:spPr bwMode="auto">
           <a:xfrm>
-            <a:off x="3305908" y="2268618"/>
+            <a:off x="2900467" y="3463317"/>
             <a:ext cx="5668626" cy="2008242"/>
           </a:xfrm>
           <a:prstGeom prst="rect">
@@ -9865,6 +10045,18 @@
   <p:clrMapOvr>
     <a:masterClrMapping/>
   </p:clrMapOvr>
+  <mc:AlternateContent xmlns:mc="http://schemas.openxmlformats.org/markup-compatibility/2006">
+    <mc:Choice xmlns:p14="http://schemas.microsoft.com/office/powerpoint/2010/main" Requires="p14">
+      <p:transition p14:dur="450">
+        <p14:flythrough/>
+      </p:transition>
+    </mc:Choice>
+    <mc:Fallback>
+      <p:transition>
+        <p:fade/>
+      </p:transition>
+    </mc:Fallback>
+  </mc:AlternateContent>
 </p:sld>
 </file>
 
@@ -9932,7 +10124,7 @@
         <p:spPr>
           <a:xfrm>
             <a:off x="514349" y="2268618"/>
-            <a:ext cx="7329200" cy="681202"/>
+            <a:ext cx="2634293" cy="923156"/>
           </a:xfrm>
         </p:spPr>
         <p:txBody>
@@ -9945,7 +10137,7 @@
             </a:pPr>
             <a:r>
               <a:rPr lang="it-IT" dirty="0"/>
-              <a:t>Possiamo ora avviare la ricerca, e registrare dei metodi che gestiranno la rilevazione dei dispositivi.</a:t>
+              <a:t>Possiamo ora avviare la ricerca, utilizzando dei metodi che gestiranno la rilevazione dei dispositivi.</a:t>
             </a:r>
             <a:endParaRPr lang="it-IT" i="1" dirty="0"/>
           </a:p>
@@ -9967,8 +10159,8 @@
         </p:nvSpPr>
         <p:spPr bwMode="auto">
           <a:xfrm>
-            <a:off x="827287" y="2823268"/>
-            <a:ext cx="7016262" cy="2169825"/>
+            <a:off x="2021276" y="3280370"/>
+            <a:ext cx="6492996" cy="2169825"/>
           </a:xfrm>
           <a:prstGeom prst="rect">
             <a:avLst/>
@@ -10605,6 +10797,18 @@
   <p:clrMapOvr>
     <a:masterClrMapping/>
   </p:clrMapOvr>
+  <mc:AlternateContent xmlns:mc="http://schemas.openxmlformats.org/markup-compatibility/2006">
+    <mc:Choice xmlns:p14="http://schemas.microsoft.com/office/powerpoint/2010/main" Requires="p14">
+      <p:transition p14:dur="450">
+        <p14:flythrough/>
+      </p:transition>
+    </mc:Choice>
+    <mc:Fallback>
+      <p:transition>
+        <p:fade/>
+      </p:transition>
+    </mc:Fallback>
+  </mc:AlternateContent>
 </p:sld>
 </file>
 
@@ -10765,7 +10969,7 @@
         </p:nvSpPr>
         <p:spPr bwMode="auto">
           <a:xfrm>
-            <a:off x="3156041" y="2209830"/>
+            <a:off x="3156042" y="2496635"/>
             <a:ext cx="5679032" cy="2977738"/>
           </a:xfrm>
           <a:prstGeom prst="rect">
@@ -11898,7 +12102,7 @@
         </p:nvSpPr>
         <p:spPr bwMode="auto">
           <a:xfrm>
-            <a:off x="3148444" y="1978998"/>
+            <a:off x="3156042" y="2265804"/>
             <a:ext cx="5679032" cy="230832"/>
           </a:xfrm>
           <a:prstGeom prst="rect">
@@ -12124,6 +12328,18 @@
   <p:clrMapOvr>
     <a:masterClrMapping/>
   </p:clrMapOvr>
+  <mc:AlternateContent xmlns:mc="http://schemas.openxmlformats.org/markup-compatibility/2006">
+    <mc:Choice xmlns:p14="http://schemas.microsoft.com/office/powerpoint/2010/main" Requires="p14">
+      <p:transition p14:dur="450">
+        <p14:flythrough/>
+      </p:transition>
+    </mc:Choice>
+    <mc:Fallback>
+      <p:transition>
+        <p:fade/>
+      </p:transition>
+    </mc:Fallback>
+  </mc:AlternateContent>
 </p:sld>
 </file>
 
@@ -12191,7 +12407,7 @@
         <p:spPr>
           <a:xfrm>
             <a:off x="514349" y="2268618"/>
-            <a:ext cx="5942598" cy="2719782"/>
+            <a:ext cx="5627659" cy="2208491"/>
           </a:xfrm>
         </p:spPr>
         <p:txBody>
@@ -12215,23 +12431,23 @@
               <a:t>(</a:t>
             </a:r>
             <a:r>
-              <a:rPr lang="it-IT" sz="1400" dirty="0" err="1"/>
+              <a:rPr lang="it-IT" sz="1400" i="1" dirty="0" err="1"/>
               <a:t>Universally</a:t>
             </a:r>
             <a:r>
-              <a:rPr lang="it-IT" sz="1400" dirty="0"/>
+              <a:rPr lang="it-IT" sz="1400" i="1" dirty="0"/>
               <a:t> </a:t>
             </a:r>
             <a:r>
-              <a:rPr lang="it-IT" sz="1400" dirty="0" err="1"/>
+              <a:rPr lang="it-IT" sz="1400" i="1" dirty="0" err="1"/>
               <a:t>Unique</a:t>
             </a:r>
             <a:r>
-              <a:rPr lang="it-IT" sz="1400" dirty="0"/>
+              <a:rPr lang="it-IT" sz="1400" i="1" dirty="0"/>
               <a:t> </a:t>
             </a:r>
             <a:r>
-              <a:rPr lang="it-IT" sz="1400" dirty="0" err="1"/>
+              <a:rPr lang="it-IT" sz="1400" i="1" dirty="0" err="1"/>
               <a:t>Identifier</a:t>
             </a:r>
             <a:r>
@@ -12246,7 +12462,7 @@
             </a:pPr>
             <a:r>
               <a:rPr lang="it-IT" sz="1400" dirty="0"/>
-              <a:t>Tale chiave identificativa permette di creare applicazioni e dispositivi che realizzino un certo servizio in maniera coerente, permettendo loro di comunicare.</a:t>
+              <a:t>Tale chiave permette di creare applicazioni e dispositivi che realizzino un certo servizio in maniera coerente, permettendo loro di comunicare.</a:t>
             </a:r>
           </a:p>
           <a:p>
@@ -12317,6 +12533,251 @@
               <a:t>13</a:t>
             </a:fld>
             <a:endParaRPr lang="it-IT" noProof="0"/>
+          </a:p>
+        </p:txBody>
+      </p:sp>
+      <p:sp>
+        <p:nvSpPr>
+          <p:cNvPr id="4" name="Rectangle 1">
+            <a:extLst>
+              <a:ext uri="{FF2B5EF4-FFF2-40B4-BE49-F238E27FC236}">
+                <a16:creationId xmlns:a16="http://schemas.microsoft.com/office/drawing/2014/main" id="{B56F4D38-1AF1-4B5B-B5AD-5C7C2570E587}"/>
+              </a:ext>
+            </a:extLst>
+          </p:cNvPr>
+          <p:cNvSpPr>
+            <a:spLocks noChangeArrowheads="1"/>
+          </p:cNvSpPr>
+          <p:nvPr/>
+        </p:nvSpPr>
+        <p:spPr bwMode="auto">
+          <a:xfrm>
+            <a:off x="1362974" y="4919926"/>
+            <a:ext cx="7030528" cy="253916"/>
+          </a:xfrm>
+          <a:prstGeom prst="rect">
+            <a:avLst/>
+          </a:prstGeom>
+          <a:solidFill>
+            <a:srgbClr val="FFFFFF"/>
+          </a:solidFill>
+          <a:ln>
+            <a:noFill/>
+          </a:ln>
+          <a:effectLst/>
+          <a:extLst>
+            <a:ext uri="{91240B29-F687-4F45-9708-019B960494DF}">
+              <a14:hiddenLine xmlns:a14="http://schemas.microsoft.com/office/drawing/2010/main" w="9525">
+                <a:solidFill>
+                  <a:schemeClr val="tx1"/>
+                </a:solidFill>
+                <a:miter lim="800000"/>
+                <a:headEnd/>
+                <a:tailEnd/>
+              </a14:hiddenLine>
+            </a:ext>
+            <a:ext uri="{AF507438-7753-43E0-B8FC-AC1667EBCBE1}">
+              <a14:hiddenEffects xmlns:a14="http://schemas.microsoft.com/office/drawing/2010/main">
+                <a:effectLst>
+                  <a:outerShdw dist="35921" dir="2700000" algn="ctr" rotWithShape="0">
+                    <a:schemeClr val="bg2"/>
+                  </a:outerShdw>
+                </a:effectLst>
+              </a14:hiddenEffects>
+            </a:ext>
+          </a:extLst>
+        </p:spPr>
+        <p:txBody>
+          <a:bodyPr vert="horz" wrap="square" lIns="91440" tIns="45720" rIns="91440" bIns="45720" numCol="1" anchor="ctr" anchorCtr="0" compatLnSpc="1">
+            <a:prstTxWarp prst="textNoShape">
+              <a:avLst/>
+            </a:prstTxWarp>
+            <a:spAutoFit/>
+          </a:bodyPr>
+          <a:lstStyle/>
+          <a:p>
+            <a:pPr marL="0" marR="0" lvl="0" indent="0" algn="l" defTabSz="914400" rtl="0" eaLnBrk="0" fontAlgn="base" latinLnBrk="0" hangingPunct="0">
+              <a:lnSpc>
+                <a:spcPct val="100000"/>
+              </a:lnSpc>
+              <a:spcBef>
+                <a:spcPct val="0"/>
+              </a:spcBef>
+              <a:spcAft>
+                <a:spcPct val="0"/>
+              </a:spcAft>
+              <a:buClrTx/>
+              <a:buSzTx/>
+              <a:buFontTx/>
+              <a:buNone/>
+              <a:tabLst/>
+            </a:pPr>
+            <a:r>
+              <a:rPr kumimoji="0" lang="it-IT" altLang="it-IT" sz="1050" b="1" i="0" u="none" strike="noStrike" cap="none" normalizeH="0" baseline="0" dirty="0" err="1">
+                <a:ln>
+                  <a:noFill/>
+                </a:ln>
+                <a:solidFill>
+                  <a:srgbClr val="000080"/>
+                </a:solidFill>
+                <a:effectLst/>
+                <a:latin typeface="Consolas" panose="020B0609020204030204" pitchFamily="49" charset="0"/>
+              </a:rPr>
+              <a:t>static</a:t>
+            </a:r>
+            <a:r>
+              <a:rPr kumimoji="0" lang="it-IT" altLang="it-IT" sz="1050" b="1" i="0" u="none" strike="noStrike" cap="none" normalizeH="0" baseline="0" dirty="0">
+                <a:ln>
+                  <a:noFill/>
+                </a:ln>
+                <a:solidFill>
+                  <a:srgbClr val="000080"/>
+                </a:solidFill>
+                <a:effectLst/>
+                <a:latin typeface="Consolas" panose="020B0609020204030204" pitchFamily="49" charset="0"/>
+              </a:rPr>
+              <a:t> </a:t>
+            </a:r>
+            <a:r>
+              <a:rPr kumimoji="0" lang="it-IT" altLang="it-IT" sz="1050" b="1" i="0" u="none" strike="noStrike" cap="none" normalizeH="0" baseline="0" dirty="0" err="1">
+                <a:ln>
+                  <a:noFill/>
+                </a:ln>
+                <a:solidFill>
+                  <a:srgbClr val="000080"/>
+                </a:solidFill>
+                <a:effectLst/>
+                <a:latin typeface="Consolas" panose="020B0609020204030204" pitchFamily="49" charset="0"/>
+              </a:rPr>
+              <a:t>final</a:t>
+            </a:r>
+            <a:r>
+              <a:rPr kumimoji="0" lang="it-IT" altLang="it-IT" sz="1050" b="1" i="0" u="none" strike="noStrike" cap="none" normalizeH="0" baseline="0" dirty="0">
+                <a:ln>
+                  <a:noFill/>
+                </a:ln>
+                <a:solidFill>
+                  <a:srgbClr val="000080"/>
+                </a:solidFill>
+                <a:effectLst/>
+                <a:latin typeface="Consolas" panose="020B0609020204030204" pitchFamily="49" charset="0"/>
+              </a:rPr>
+              <a:t> </a:t>
+            </a:r>
+            <a:r>
+              <a:rPr kumimoji="0" lang="it-IT" altLang="it-IT" sz="1050" b="0" i="0" u="none" strike="noStrike" cap="none" normalizeH="0" baseline="0" dirty="0">
+                <a:ln>
+                  <a:noFill/>
+                </a:ln>
+                <a:solidFill>
+                  <a:srgbClr val="000000"/>
+                </a:solidFill>
+                <a:effectLst/>
+                <a:latin typeface="Consolas" panose="020B0609020204030204" pitchFamily="49" charset="0"/>
+              </a:rPr>
+              <a:t>UUID </a:t>
+            </a:r>
+            <a:r>
+              <a:rPr kumimoji="0" lang="it-IT" altLang="it-IT" sz="1050" b="1" i="1" u="none" strike="noStrike" cap="none" normalizeH="0" baseline="0" dirty="0">
+                <a:ln>
+                  <a:noFill/>
+                </a:ln>
+                <a:solidFill>
+                  <a:srgbClr val="660E7A"/>
+                </a:solidFill>
+                <a:effectLst/>
+                <a:latin typeface="Consolas" panose="020B0609020204030204" pitchFamily="49" charset="0"/>
+              </a:rPr>
+              <a:t>MY_UUID_INSECURE </a:t>
+            </a:r>
+            <a:r>
+              <a:rPr kumimoji="0" lang="it-IT" altLang="it-IT" sz="1050" b="0" i="0" u="none" strike="noStrike" cap="none" normalizeH="0" baseline="0" dirty="0">
+                <a:ln>
+                  <a:noFill/>
+                </a:ln>
+                <a:solidFill>
+                  <a:srgbClr val="000000"/>
+                </a:solidFill>
+                <a:effectLst/>
+                <a:latin typeface="Consolas" panose="020B0609020204030204" pitchFamily="49" charset="0"/>
+              </a:rPr>
+              <a:t>= </a:t>
+            </a:r>
+            <a:r>
+              <a:rPr kumimoji="0" lang="it-IT" altLang="it-IT" sz="1050" b="0" i="0" u="none" strike="noStrike" cap="none" normalizeH="0" baseline="0" dirty="0" err="1">
+                <a:ln>
+                  <a:noFill/>
+                </a:ln>
+                <a:solidFill>
+                  <a:srgbClr val="000000"/>
+                </a:solidFill>
+                <a:effectLst/>
+                <a:latin typeface="Consolas" panose="020B0609020204030204" pitchFamily="49" charset="0"/>
+              </a:rPr>
+              <a:t>UUID.</a:t>
+            </a:r>
+            <a:r>
+              <a:rPr kumimoji="0" lang="it-IT" altLang="it-IT" sz="1050" b="0" i="1" u="none" strike="noStrike" cap="none" normalizeH="0" baseline="0" dirty="0" err="1">
+                <a:ln>
+                  <a:noFill/>
+                </a:ln>
+                <a:solidFill>
+                  <a:srgbClr val="000000"/>
+                </a:solidFill>
+                <a:effectLst/>
+                <a:latin typeface="Consolas" panose="020B0609020204030204" pitchFamily="49" charset="0"/>
+              </a:rPr>
+              <a:t>fromString</a:t>
+            </a:r>
+            <a:r>
+              <a:rPr kumimoji="0" lang="it-IT" altLang="it-IT" sz="1050" b="0" i="0" u="none" strike="noStrike" cap="none" normalizeH="0" baseline="0" dirty="0">
+                <a:ln>
+                  <a:noFill/>
+                </a:ln>
+                <a:solidFill>
+                  <a:srgbClr val="000000"/>
+                </a:solidFill>
+                <a:effectLst/>
+                <a:latin typeface="Consolas" panose="020B0609020204030204" pitchFamily="49" charset="0"/>
+              </a:rPr>
+              <a:t>(</a:t>
+            </a:r>
+            <a:r>
+              <a:rPr kumimoji="0" lang="it-IT" altLang="it-IT" sz="1050" b="1" i="0" u="none" strike="noStrike" cap="none" normalizeH="0" baseline="0" dirty="0">
+                <a:ln>
+                  <a:noFill/>
+                </a:ln>
+                <a:solidFill>
+                  <a:srgbClr val="008000"/>
+                </a:solidFill>
+                <a:effectLst/>
+                <a:latin typeface="Consolas" panose="020B0609020204030204" pitchFamily="49" charset="0"/>
+              </a:rPr>
+              <a:t>"8ce255c0-200a-11e0-ac64-0800200c9a66"</a:t>
+            </a:r>
+            <a:r>
+              <a:rPr kumimoji="0" lang="it-IT" altLang="it-IT" sz="1050" b="0" i="0" u="none" strike="noStrike" cap="none" normalizeH="0" baseline="0" dirty="0">
+                <a:ln>
+                  <a:noFill/>
+                </a:ln>
+                <a:solidFill>
+                  <a:srgbClr val="000000"/>
+                </a:solidFill>
+                <a:effectLst/>
+                <a:latin typeface="Consolas" panose="020B0609020204030204" pitchFamily="49" charset="0"/>
+              </a:rPr>
+              <a:t>);</a:t>
+            </a:r>
+            <a:endParaRPr kumimoji="0" lang="it-IT" altLang="it-IT" sz="1050" b="0" i="0" u="none" strike="noStrike" cap="none" normalizeH="0" baseline="0" dirty="0">
+              <a:ln>
+                <a:noFill/>
+              </a:ln>
+              <a:solidFill>
+                <a:schemeClr val="tx1"/>
+              </a:solidFill>
+              <a:effectLst/>
+              <a:latin typeface="Arial" panose="020B0604020202020204" pitchFamily="34" charset="0"/>
+            </a:endParaRPr>
           </a:p>
         </p:txBody>
       </p:sp>
@@ -12330,6 +12791,18 @@
   <p:clrMapOvr>
     <a:masterClrMapping/>
   </p:clrMapOvr>
+  <mc:AlternateContent xmlns:mc="http://schemas.openxmlformats.org/markup-compatibility/2006">
+    <mc:Choice xmlns:p14="http://schemas.microsoft.com/office/powerpoint/2010/main" Requires="p14">
+      <p:transition p14:dur="450">
+        <p14:flythrough/>
+      </p:transition>
+    </mc:Choice>
+    <mc:Fallback>
+      <p:transition>
+        <p:fade/>
+      </p:transition>
+    </mc:Fallback>
+  </mc:AlternateContent>
 </p:sld>
 </file>
 
@@ -13402,6 +13875,18 @@
   <p:clrMapOvr>
     <a:masterClrMapping/>
   </p:clrMapOvr>
+  <mc:AlternateContent xmlns:mc="http://schemas.openxmlformats.org/markup-compatibility/2006">
+    <mc:Choice xmlns:p14="http://schemas.microsoft.com/office/powerpoint/2010/main" Requires="p14">
+      <p:transition p14:dur="450">
+        <p14:flythrough/>
+      </p:transition>
+    </mc:Choice>
+    <mc:Fallback>
+      <p:transition>
+        <p:fade/>
+      </p:transition>
+    </mc:Fallback>
+  </mc:AlternateContent>
 </p:sld>
 </file>
 
@@ -14556,6 +15041,18 @@
   <p:clrMapOvr>
     <a:masterClrMapping/>
   </p:clrMapOvr>
+  <mc:AlternateContent xmlns:mc="http://schemas.openxmlformats.org/markup-compatibility/2006">
+    <mc:Choice xmlns:p14="http://schemas.microsoft.com/office/powerpoint/2010/main" Requires="p14">
+      <p:transition p14:dur="450">
+        <p14:flythrough/>
+      </p:transition>
+    </mc:Choice>
+    <mc:Fallback>
+      <p:transition>
+        <p:fade/>
+      </p:transition>
+    </mc:Fallback>
+  </mc:AlternateContent>
 </p:sld>
 </file>
 
@@ -15935,6 +16432,18 @@
   <p:clrMapOvr>
     <a:masterClrMapping/>
   </p:clrMapOvr>
+  <mc:AlternateContent xmlns:mc="http://schemas.openxmlformats.org/markup-compatibility/2006">
+    <mc:Choice xmlns:p14="http://schemas.microsoft.com/office/powerpoint/2010/main" Requires="p14">
+      <p:transition p14:dur="450">
+        <p14:flythrough/>
+      </p:transition>
+    </mc:Choice>
+    <mc:Fallback>
+      <p:transition>
+        <p:fade/>
+      </p:transition>
+    </mc:Fallback>
+  </mc:AlternateContent>
 </p:sld>
 </file>
 
@@ -16015,7 +16524,7 @@
             </a:pPr>
             <a:r>
               <a:rPr lang="it-IT" sz="1400" dirty="0"/>
-              <a:t>Dopo aver instaurato una connessione, vediamo ora come inviare messaggi.</a:t>
+              <a:t>Dopo aver instaurato una connessione, vediamo come inviare messaggi.</a:t>
             </a:r>
           </a:p>
           <a:p>
@@ -16037,7 +16546,7 @@
             </a:r>
             <a:r>
               <a:rPr lang="it-IT" sz="1400" dirty="0"/>
-              <a:t>questo chiamerà a sua volta il metodo </a:t>
+              <a:t>questo invocherà il metodo </a:t>
             </a:r>
             <a:r>
               <a:rPr lang="it-IT" sz="1400" i="1" dirty="0" err="1"/>
@@ -16081,11 +16590,17 @@
             </a:r>
             <a:r>
               <a:rPr lang="it-IT" sz="1400" i="1" dirty="0"/>
-              <a:t>, </a:t>
-            </a:r>
+              <a:t>.</a:t>
+            </a:r>
+          </a:p>
+          <a:p>
+            <a:pPr marL="214313" indent="-214313">
+              <a:buFont typeface="Arial" panose="020B0604020202020204" pitchFamily="34" charset="0"/>
+              <a:buChar char="•"/>
+            </a:pPr>
             <a:r>
               <a:rPr lang="it-IT" sz="1400" dirty="0"/>
-              <a:t>i metodi accettano</a:t>
+              <a:t>Notare come i metodi accettano</a:t>
             </a:r>
             <a:r>
               <a:rPr lang="it-IT" sz="1400" i="1" dirty="0"/>
@@ -16783,6 +17298,18 @@
   <p:clrMapOvr>
     <a:masterClrMapping/>
   </p:clrMapOvr>
+  <mc:AlternateContent xmlns:mc="http://schemas.openxmlformats.org/markup-compatibility/2006">
+    <mc:Choice xmlns:p14="http://schemas.microsoft.com/office/powerpoint/2010/main" Requires="p14">
+      <p:transition p14:dur="450">
+        <p14:flythrough/>
+      </p:transition>
+    </mc:Choice>
+    <mc:Fallback>
+      <p:transition>
+        <p:fade/>
+      </p:transition>
+    </mc:Fallback>
+  </mc:AlternateContent>
 </p:sld>
 </file>
 
@@ -16893,7 +17420,7 @@
             </a:pPr>
             <a:r>
               <a:rPr lang="it-IT" sz="1400" dirty="0"/>
-              <a:t>Tale chiamata è bloccante e quindi l’esecuzione del codice rimane in attesa finché l’operazione non si è conclusa, motivo principale per cui vengono utilizzati </a:t>
+              <a:t>Tale chiamata è bloccante e quindi l’esecuzione del codice rimane in attesa finché l’operazione non si è conclusa, motivo per cui vengono utilizzati </a:t>
             </a:r>
             <a:r>
               <a:rPr lang="it-IT" sz="1400" dirty="0" err="1"/>
@@ -17603,6 +18130,18 @@
   <p:clrMapOvr>
     <a:masterClrMapping/>
   </p:clrMapOvr>
+  <mc:AlternateContent xmlns:mc="http://schemas.openxmlformats.org/markup-compatibility/2006">
+    <mc:Choice xmlns:p14="http://schemas.microsoft.com/office/powerpoint/2010/main" Requires="p14">
+      <p:transition p14:dur="450">
+        <p14:flythrough/>
+      </p:transition>
+    </mc:Choice>
+    <mc:Fallback>
+      <p:transition>
+        <p:fade/>
+      </p:transition>
+    </mc:Fallback>
+  </mc:AlternateContent>
 </p:sld>
 </file>
 
@@ -17711,7 +18250,7 @@
             <a:pPr rtl="0"/>
             <a:r>
               <a:rPr lang="it-IT" sz="1400" dirty="0"/>
-              <a:t>Un prodotto basato questa tecnologia, prima di poter usare il marchio Bluetooth ed essere successivamente venduto, deve essere sottoposto al programma Bluetooth </a:t>
+              <a:t>Un prodotto basato su questa tecnologia, prima di poter usare il marchio Bluetooth ed essere successivamente venduto, deve essere sottoposto al Bluetooth </a:t>
             </a:r>
             <a:r>
               <a:rPr lang="it-IT" sz="1400" dirty="0" err="1"/>
@@ -18079,6 +18618,18 @@
   <p:clrMapOvr>
     <a:masterClrMapping/>
   </p:clrMapOvr>
+  <mc:AlternateContent xmlns:mc="http://schemas.openxmlformats.org/markup-compatibility/2006">
+    <mc:Choice xmlns:p14="http://schemas.microsoft.com/office/powerpoint/2010/main" Requires="p14">
+      <p:transition p14:dur="450">
+        <p14:flythrough/>
+      </p:transition>
+    </mc:Choice>
+    <mc:Fallback>
+      <p:transition>
+        <p:fade/>
+      </p:transition>
+    </mc:Fallback>
+  </mc:AlternateContent>
 </p:sld>
 </file>
 
@@ -19152,6 +19703,18 @@
   <p:clrMapOvr>
     <a:masterClrMapping/>
   </p:clrMapOvr>
+  <mc:AlternateContent xmlns:mc="http://schemas.openxmlformats.org/markup-compatibility/2006">
+    <mc:Choice xmlns:p14="http://schemas.microsoft.com/office/powerpoint/2010/main" Requires="p14">
+      <p:transition p14:dur="450">
+        <p14:flythrough/>
+      </p:transition>
+    </mc:Choice>
+    <mc:Fallback>
+      <p:transition>
+        <p:fade/>
+      </p:transition>
+    </mc:Fallback>
+  </mc:AlternateContent>
 </p:sld>
 </file>
 
@@ -20047,6 +20610,18 @@
   <p:clrMapOvr>
     <a:masterClrMapping/>
   </p:clrMapOvr>
+  <mc:AlternateContent xmlns:mc="http://schemas.openxmlformats.org/markup-compatibility/2006">
+    <mc:Choice xmlns:p14="http://schemas.microsoft.com/office/powerpoint/2010/main" Requires="p14">
+      <p:transition p14:dur="450">
+        <p14:flythrough/>
+      </p:transition>
+    </mc:Choice>
+    <mc:Fallback>
+      <p:transition>
+        <p:fade/>
+      </p:transition>
+    </mc:Fallback>
+  </mc:AlternateContent>
 </p:sld>
 </file>
 
@@ -20312,6 +20887,18 @@
   <p:clrMapOvr>
     <a:masterClrMapping/>
   </p:clrMapOvr>
+  <mc:AlternateContent xmlns:mc="http://schemas.openxmlformats.org/markup-compatibility/2006">
+    <mc:Choice xmlns:p14="http://schemas.microsoft.com/office/powerpoint/2010/main" Requires="p14">
+      <p:transition p14:dur="450">
+        <p14:flythrough/>
+      </p:transition>
+    </mc:Choice>
+    <mc:Fallback>
+      <p:transition>
+        <p:fade/>
+      </p:transition>
+    </mc:Fallback>
+  </mc:AlternateContent>
 </p:sld>
 </file>
 
@@ -20577,6 +21164,18 @@
   <p:clrMapOvr>
     <a:masterClrMapping/>
   </p:clrMapOvr>
+  <mc:AlternateContent xmlns:mc="http://schemas.openxmlformats.org/markup-compatibility/2006">
+    <mc:Choice xmlns:p14="http://schemas.microsoft.com/office/powerpoint/2010/main" Requires="p14">
+      <p:transition p14:dur="450">
+        <p14:flythrough/>
+      </p:transition>
+    </mc:Choice>
+    <mc:Fallback>
+      <p:transition>
+        <p:fade/>
+      </p:transition>
+    </mc:Fallback>
+  </mc:AlternateContent>
 </p:sld>
 </file>
 
@@ -20789,6 +21388,18 @@
   <p:clrMapOvr>
     <a:masterClrMapping/>
   </p:clrMapOvr>
+  <mc:AlternateContent xmlns:mc="http://schemas.openxmlformats.org/markup-compatibility/2006">
+    <mc:Choice xmlns:p14="http://schemas.microsoft.com/office/powerpoint/2010/main" Requires="p14">
+      <p:transition p14:dur="450">
+        <p14:flythrough/>
+      </p:transition>
+    </mc:Choice>
+    <mc:Fallback>
+      <p:transition>
+        <p:fade/>
+      </p:transition>
+    </mc:Fallback>
+  </mc:AlternateContent>
 </p:sld>
 </file>
 
@@ -20868,19 +21479,27 @@
           <a:p>
             <a:r>
               <a:rPr lang="it-IT" sz="1400" dirty="0"/>
-              <a:t>L’obiettivo della tecnologia Bluetooth è l’intercomunicazione wireless tra dispositivi diversi e non necessariamente prodotti dalla stessa azienda, attraverso l’uso di onde radio a corto raggio, in modo sicuro, semplice, con bassi costi e bassi consumi energetici</a:t>
+              <a:t>L’obiettivo della tecnologia Bluetooth è l’intercomunicazione wireless tra dispositivi diversi e non necessariamente prodotti dalla stessa azienda, attraverso l’uso di onde radio a corto raggio, in modo sicuro, semplice, con bassi costi e pochi consumi energetici.</a:t>
             </a:r>
           </a:p>
           <a:p>
             <a:r>
               <a:rPr lang="it-IT" sz="1400" dirty="0"/>
-              <a:t>Questi ultimi tre punti sono il maggior vantaggio sulla tecnologia Wi-Fi, che richiede hardware e software molto più sofisticati, e quindi costi e consumi molto più alti</a:t>
+              <a:t>Questi ultimi tre punti sono il maggior vantaggio sulla tecnologia Wi-Fi, che richiede sia hardware che software molto più sofisticati, quindi costi e consumi molto più alti.</a:t>
             </a:r>
           </a:p>
           <a:p>
             <a:r>
               <a:rPr lang="it-IT" sz="1400" dirty="0"/>
-              <a:t>Con l’avvento dello stack di protocollo Low-Energy (v4.0), che ha permesso un risparmio energetico senza precedenti, la tecnologia Bluetooth è diventata una delle forze trainanti dell’IoT, poiché utilizzabile su dispositivi piccoli come smartwatch, lampadine intelligenti e serrature elettroniche</a:t>
+              <a:t>Con l’avvento dello stack di protocollo Low-Energy (v4.0), che ha permesso un risparmio energetico senza precedenti, la tecnologia Bluetooth è diventata una delle forze trainanti dell’IoT (Internet of </a:t>
+            </a:r>
+            <a:r>
+              <a:rPr lang="it-IT" sz="1400" dirty="0" err="1"/>
+              <a:t>Things</a:t>
+            </a:r>
+            <a:r>
+              <a:rPr lang="it-IT" sz="1400" dirty="0"/>
+              <a:t>), poiché utilizzabile su dispositivi piccoli come smartwatch, lampadine intelligenti e serrature elettroniche.</a:t>
             </a:r>
           </a:p>
           <a:p>
@@ -20892,7 +21511,7 @@
           <a:p>
             <a:r>
               <a:rPr lang="it-IT" sz="1400" dirty="0"/>
-              <a:t>La connessione è di tipo Master-Slave e permette al dispositivo «Master» di comunicare attraverso una piccola rete con i dispositivi «Slave», che rimangono in ascolto sulla rete finché il dispositivo «Master» non disattiva la sua funzione Bluetooth</a:t>
+              <a:t>La connessione è di tipo Master-Slave e permette al dispositivo «Master» di comunicare attraverso una piccola rete con i dispositivi «Slave», che rimangono in ascolto sulla rete finché il dispositivo «Master» non disattiva la sua funzione Bluetooth.</a:t>
             </a:r>
           </a:p>
         </p:txBody>
@@ -20966,6 +21585,18 @@
   <p:clrMapOvr>
     <a:masterClrMapping/>
   </p:clrMapOvr>
+  <mc:AlternateContent xmlns:mc="http://schemas.openxmlformats.org/markup-compatibility/2006">
+    <mc:Choice xmlns:p14="http://schemas.microsoft.com/office/powerpoint/2010/main" Requires="p14">
+      <p:transition p14:dur="450">
+        <p14:flythrough/>
+      </p:transition>
+    </mc:Choice>
+    <mc:Fallback>
+      <p:transition>
+        <p:fade/>
+      </p:transition>
+    </mc:Fallback>
+  </mc:AlternateContent>
 </p:sld>
 </file>
 
@@ -21717,6 +22348,18 @@
   <p:clrMapOvr>
     <a:masterClrMapping/>
   </p:clrMapOvr>
+  <mc:AlternateContent xmlns:mc="http://schemas.openxmlformats.org/markup-compatibility/2006">
+    <mc:Choice xmlns:p14="http://schemas.microsoft.com/office/powerpoint/2010/main" Requires="p14">
+      <p:transition p14:dur="450">
+        <p14:flythrough/>
+      </p:transition>
+    </mc:Choice>
+    <mc:Fallback>
+      <p:transition>
+        <p:fade/>
+      </p:transition>
+    </mc:Fallback>
+  </mc:AlternateContent>
 </p:sld>
 </file>
 
@@ -21798,7 +22441,7 @@
             </a:pPr>
             <a:r>
               <a:rPr lang="it-IT" sz="1400" dirty="0"/>
-              <a:t>Gli usi sono molti e vari, e riguardano sia consumatori che l’industria. Il motivo è abbastanza semplice: tale tecnologia permette la comunicazione a distanza senza l’uso di cavi.</a:t>
+              <a:t>Gli usi sono molti e riguardano sia i consumatori che le industrie.</a:t>
             </a:r>
           </a:p>
           <a:p>
@@ -21808,7 +22451,7 @@
             </a:pPr>
             <a:r>
               <a:rPr lang="it-IT" sz="1400" dirty="0"/>
-              <a:t>Per quanto riguarda i consumatori, alcuni esempio possono essere il controllo di dispositivi come auricolari, sveglie, altoparlanti, lampadine, e perfino elettrodomestici complessi come il forno, il condizionatore e la lavatrice. </a:t>
+              <a:t>Per quanto riguarda i consumatori, alcuni esempi sono: il controllo di dispositivi come auricolari, sveglie, altoparlanti, e perfino elettrodomestici complessi come forni, condizionatori e lavatrici. </a:t>
             </a:r>
           </a:p>
           <a:p>
@@ -21828,7 +22471,7 @@
             </a:pPr>
             <a:r>
               <a:rPr lang="it-IT" sz="1400" dirty="0"/>
-              <a:t>Per quanto riguarda l’uso industriale, sono d’esempio tutti i dispositivi che devono raccogliere dati sull’ambiente circostante e che per svolgere tale compito devono utilizzare diversi sensori posti a distanza e con cui è necessario comunicare per acquisire i dati necessari. Tali dati possono essere poi processati da un sistema dedicato, per poi fornire varie informazioni in base agli obiettivi che si vogliono raggiungere.</a:t>
+              <a:t>Per quanto riguarda l’uso industriale, sono d’esempio tutti i dispositivi che devono raccogliere dati sull’ambiente circostante e che per svolgere tale compito sfruttano sensori posti a distanza e con cui è necessario comunicare per acquisire dati. Questi ultimi vengono poi processati da sistemi dedicati, per poi fornire informazioni in base agli obiettivi che si vogliono raggiungere.</a:t>
             </a:r>
           </a:p>
           <a:p>
@@ -21838,7 +22481,7 @@
             </a:pPr>
             <a:r>
               <a:rPr lang="it-IT" sz="1400" dirty="0"/>
-              <a:t>Inoltre, il mondo IoT espande su quest’idea aggiungendo la capacità di comunicare a kilometri di distanza, attraverso l’uso dl Internet, sfruttando però il basso consumo della tecnologia Bluetooth per la comunicazione a corto raggio.</a:t>
+              <a:t>Inoltre, il mondo IoT sta espandendo quest’idea di trasmissione dati combinando l’uso di Internet (lungo raggio), con il Bluetooth per comunicazioni a corto raggio.</a:t>
             </a:r>
           </a:p>
         </p:txBody>
@@ -21912,6 +22555,18 @@
   <p:clrMapOvr>
     <a:masterClrMapping/>
   </p:clrMapOvr>
+  <mc:AlternateContent xmlns:mc="http://schemas.openxmlformats.org/markup-compatibility/2006">
+    <mc:Choice xmlns:p14="http://schemas.microsoft.com/office/powerpoint/2010/main" Requires="p14">
+      <p:transition p14:dur="450">
+        <p14:flythrough/>
+      </p:transition>
+    </mc:Choice>
+    <mc:Fallback>
+      <p:transition>
+        <p:fade/>
+      </p:transition>
+    </mc:Fallback>
+  </mc:AlternateContent>
 </p:sld>
 </file>
 
@@ -21990,7 +22645,7 @@
             <a:pPr rtl="0"/>
             <a:r>
               <a:rPr lang="it-IT" sz="1400" dirty="0"/>
-              <a:t>Le operazioni fondamentali che si possono effettuare in Android sono:</a:t>
+              <a:t>Alcune operazioni che si possono effettuare in Android sono:</a:t>
             </a:r>
           </a:p>
           <a:p>
@@ -22105,6 +22760,18 @@
   <p:clrMapOvr>
     <a:masterClrMapping/>
   </p:clrMapOvr>
+  <mc:AlternateContent xmlns:mc="http://schemas.openxmlformats.org/markup-compatibility/2006">
+    <mc:Choice xmlns:p14="http://schemas.microsoft.com/office/powerpoint/2010/main" Requires="p14">
+      <p:transition p14:dur="450">
+        <p14:flythrough/>
+      </p:transition>
+    </mc:Choice>
+    <mc:Fallback>
+      <p:transition>
+        <p:fade/>
+      </p:transition>
+    </mc:Fallback>
+  </mc:AlternateContent>
 </p:sld>
 </file>
 
@@ -22246,8 +22913,8 @@
         </p:nvSpPr>
         <p:spPr bwMode="auto">
           <a:xfrm>
-            <a:off x="3208364" y="2092001"/>
-            <a:ext cx="5736515" cy="715581"/>
+            <a:off x="3381555" y="2796717"/>
+            <a:ext cx="5623751" cy="715581"/>
           </a:xfrm>
           <a:prstGeom prst="rect">
             <a:avLst/>
@@ -22685,6 +23352,18 @@
   <p:clrMapOvr>
     <a:masterClrMapping/>
   </p:clrMapOvr>
+  <mc:AlternateContent xmlns:mc="http://schemas.openxmlformats.org/markup-compatibility/2006">
+    <mc:Choice xmlns:p14="http://schemas.microsoft.com/office/powerpoint/2010/main" Requires="p14">
+      <p:transition p14:dur="450">
+        <p14:flythrough/>
+      </p:transition>
+    </mc:Choice>
+    <mc:Fallback>
+      <p:transition>
+        <p:fade/>
+      </p:transition>
+    </mc:Fallback>
+  </mc:AlternateContent>
 </p:sld>
 </file>
 
@@ -23630,6 +24309,18 @@
   <p:clrMapOvr>
     <a:masterClrMapping/>
   </p:clrMapOvr>
+  <mc:AlternateContent xmlns:mc="http://schemas.openxmlformats.org/markup-compatibility/2006">
+    <mc:Choice xmlns:p14="http://schemas.microsoft.com/office/powerpoint/2010/main" Requires="p14">
+      <p:transition p14:dur="450">
+        <p14:flythrough/>
+      </p:transition>
+    </mc:Choice>
+    <mc:Fallback>
+      <p:transition>
+        <p:fade/>
+      </p:transition>
+    </mc:Fallback>
+  </mc:AlternateContent>
 </p:sld>
 </file>
 
@@ -23723,7 +24414,7 @@
             </a:r>
             <a:r>
               <a:rPr lang="it-IT" sz="1400" dirty="0"/>
-              <a:t>in particolare il seguente metodo ci permette di essere visibili per 300 secondi.</a:t>
+              <a:t>in particolare il seguente metodo ci permette di essere visibili per 120 secondi.</a:t>
             </a:r>
             <a:endParaRPr lang="it-IT" sz="1400" i="1" dirty="0"/>
           </a:p>
@@ -23745,8 +24436,8 @@
         </p:nvSpPr>
         <p:spPr bwMode="auto">
           <a:xfrm>
-            <a:off x="3392907" y="2268618"/>
-            <a:ext cx="5614736" cy="2169825"/>
+            <a:off x="1826135" y="3625516"/>
+            <a:ext cx="6803515" cy="1685077"/>
           </a:xfrm>
           <a:prstGeom prst="rect">
             <a:avLst/>
@@ -23884,7 +24575,7 @@
                 </a:solidFill>
                 <a:latin typeface="Consolas" panose="020B0609020204030204" pitchFamily="49" charset="0"/>
               </a:rPr>
-              <a:t>new 		</a:t>
+              <a:t>new </a:t>
             </a:r>
             <a:r>
               <a:rPr lang="it-IT" altLang="it-IT" sz="1050" dirty="0" err="1">
@@ -23980,19 +24671,10 @@
                 </a:solidFill>
                 <a:latin typeface="Consolas" panose="020B0609020204030204" pitchFamily="49" charset="0"/>
               </a:rPr>
-              <a:t>(</a:t>
-            </a:r>
-            <a:r>
-              <a:rPr lang="it-IT" altLang="it-IT" sz="1050" dirty="0" err="1">
-                <a:solidFill>
-                  <a:srgbClr val="000000"/>
-                </a:solidFill>
-                <a:latin typeface="Consolas" panose="020B0609020204030204" pitchFamily="49" charset="0"/>
-              </a:rPr>
-              <a:t>BluetoothAdapter.</a:t>
-            </a:r>
-            <a:r>
-              <a:rPr lang="it-IT" altLang="it-IT" sz="1050" b="1" i="1" dirty="0" err="1">
+              <a:t>(BluetoothAdapter.</a:t>
+            </a:r>
+            <a:r>
+              <a:rPr lang="it-IT" altLang="it-IT" sz="1050" b="1" i="1" dirty="0">
                 <a:solidFill>
                   <a:srgbClr val="660E7A"/>
                 </a:solidFill>
@@ -24001,22 +24683,13 @@
               <a:t>EXTRA_DISCOVERABLE_DURATION</a:t>
             </a:r>
             <a:r>
-              <a:rPr lang="it-IT" altLang="it-IT" sz="1050" b="1" i="1" dirty="0">
-                <a:solidFill>
-                  <a:srgbClr val="660E7A"/>
-                </a:solidFill>
-                <a:latin typeface="Consolas" panose="020B0609020204030204" pitchFamily="49" charset="0"/>
-              </a:rPr>
-              <a:t>			</a:t>
-            </a:r>
-            <a:r>
-              <a:rPr lang="it-IT" altLang="it-IT" sz="1050" dirty="0">
-                <a:solidFill>
-                  <a:srgbClr val="000000"/>
-                </a:solidFill>
-                <a:latin typeface="Consolas" panose="020B0609020204030204" pitchFamily="49" charset="0"/>
-              </a:rPr>
-              <a:t>, </a:t>
+              <a:rPr lang="it-IT" altLang="it-IT" sz="1050" dirty="0">
+                <a:solidFill>
+                  <a:srgbClr val="000000"/>
+                </a:solidFill>
+                <a:latin typeface="Consolas" panose="020B0609020204030204" pitchFamily="49" charset="0"/>
+              </a:rPr>
+              <a:t>,</a:t>
             </a:r>
             <a:r>
               <a:rPr lang="it-IT" altLang="it-IT" sz="1050" dirty="0">
@@ -24025,7 +24698,7 @@
                 </a:solidFill>
                 <a:latin typeface="Consolas" panose="020B0609020204030204" pitchFamily="49" charset="0"/>
               </a:rPr>
-              <a:t>300</a:t>
+              <a:t>120</a:t>
             </a:r>
             <a:r>
               <a:rPr lang="it-IT" altLang="it-IT" sz="1050" dirty="0">
@@ -24157,7 +24830,7 @@
                 </a:solidFill>
                 <a:latin typeface="Consolas" panose="020B0609020204030204" pitchFamily="49" charset="0"/>
               </a:rPr>
-              <a:t>new 						</a:t>
+              <a:t>new </a:t>
             </a:r>
             <a:r>
               <a:rPr lang="it-IT" altLang="it-IT" sz="1050" dirty="0" err="1">
@@ -24357,6 +25030,18 @@
   <p:clrMapOvr>
     <a:masterClrMapping/>
   </p:clrMapOvr>
+  <mc:AlternateContent xmlns:mc="http://schemas.openxmlformats.org/markup-compatibility/2006">
+    <mc:Choice xmlns:p14="http://schemas.microsoft.com/office/powerpoint/2010/main" Requires="p14">
+      <p:transition p14:dur="450">
+        <p14:flythrough/>
+      </p:transition>
+    </mc:Choice>
+    <mc:Fallback>
+      <p:transition>
+        <p:fade/>
+      </p:transition>
+    </mc:Fallback>
+  </mc:AlternateContent>
 </p:sld>
 </file>
 
@@ -25170,6 +25855,15 @@
 </file>
 
 <file path=customXml/item1.xml><?xml version="1.0" encoding="utf-8"?>
+<p:properties xmlns:p="http://schemas.microsoft.com/office/2006/metadata/properties" xmlns:xsi="http://www.w3.org/2001/XMLSchema-instance" xmlns:pc="http://schemas.microsoft.com/office/infopath/2007/PartnerControls">
+  <documentManagement>
+    <_ip_UnifiedCompliancePolicyUIAction xmlns="http://schemas.microsoft.com/sharepoint/v3" xsi:nil="true"/>
+    <_ip_UnifiedCompliancePolicyProperties xmlns="http://schemas.microsoft.com/sharepoint/v3" xsi:nil="true"/>
+  </documentManagement>
+</p:properties>
+</file>
+
+<file path=customXml/item2.xml><?xml version="1.0" encoding="utf-8"?>
 <ct:contentTypeSchema xmlns:ct="http://schemas.microsoft.com/office/2006/metadata/contentType" xmlns:ma="http://schemas.microsoft.com/office/2006/metadata/properties/metaAttributes" ct:_="" ma:_="" ma:contentTypeName="Document" ma:contentTypeID="0x010100DEEA25CC0A0AC24199CDC46C25B8B0BC" ma:contentTypeVersion="10" ma:contentTypeDescription="Create a new document." ma:contentTypeScope="" ma:versionID="e3b47856d4cf355c0dacb39e1084d14f">
   <xsd:schema xmlns:xsd="http://www.w3.org/2001/XMLSchema" xmlns:xs="http://www.w3.org/2001/XMLSchema" xmlns:p="http://schemas.microsoft.com/office/2006/metadata/properties" xmlns:ns1="http://schemas.microsoft.com/sharepoint/v3" xmlns:ns2="6dc4bcd6-49db-4c07-9060-8acfc67cef9f" xmlns:ns3="fb0879af-3eba-417a-a55a-ffe6dcd6ca77" targetNamespace="http://schemas.microsoft.com/office/2006/metadata/properties" ma:root="true" ma:fieldsID="a845a615265fdb1f7b12cc65ac20ecbd" ns1:_="" ns2:_="" ns3:_="">
     <xsd:import namespace="http://schemas.microsoft.com/sharepoint/v3"/>
@@ -25377,15 +26071,6 @@
 </ct:contentTypeSchema>
 </file>
 
-<file path=customXml/item2.xml><?xml version="1.0" encoding="utf-8"?>
-<p:properties xmlns:p="http://schemas.microsoft.com/office/2006/metadata/properties" xmlns:xsi="http://www.w3.org/2001/XMLSchema-instance" xmlns:pc="http://schemas.microsoft.com/office/infopath/2007/PartnerControls">
-  <documentManagement>
-    <_ip_UnifiedCompliancePolicyUIAction xmlns="http://schemas.microsoft.com/sharepoint/v3" xsi:nil="true"/>
-    <_ip_UnifiedCompliancePolicyProperties xmlns="http://schemas.microsoft.com/sharepoint/v3" xsi:nil="true"/>
-  </documentManagement>
-</p:properties>
-</file>
-
 <file path=customXml/item3.xml><?xml version="1.0" encoding="utf-8"?>
 <?mso-contentType ?>
 <FormTemplates xmlns="http://schemas.microsoft.com/sharepoint/v3/contenttype/forms">
@@ -25396,6 +26081,16 @@
 </file>
 
 <file path=customXml/itemProps1.xml><?xml version="1.0" encoding="utf-8"?>
+<ds:datastoreItem xmlns:ds="http://schemas.openxmlformats.org/officeDocument/2006/customXml" ds:itemID="{183E21D3-7788-4819-8437-C5C4B0C5D46D}">
+  <ds:schemaRefs>
+    <ds:schemaRef ds:uri="http://schemas.microsoft.com/office/2006/metadata/properties"/>
+    <ds:schemaRef ds:uri="http://schemas.microsoft.com/office/infopath/2007/PartnerControls"/>
+    <ds:schemaRef ds:uri="http://schemas.microsoft.com/sharepoint/v3"/>
+  </ds:schemaRefs>
+</ds:datastoreItem>
+</file>
+
+<file path=customXml/itemProps2.xml><?xml version="1.0" encoding="utf-8"?>
 <ds:datastoreItem xmlns:ds="http://schemas.openxmlformats.org/officeDocument/2006/customXml" ds:itemID="{063CD11F-9FDB-4628-B708-63BFB2D681DF}">
   <ds:schemaRefs>
     <ds:schemaRef ds:uri="http://schemas.microsoft.com/office/2006/metadata/contentType"/>
@@ -25415,16 +26110,6 @@
 </ds:datastoreItem>
 </file>
 
-<file path=customXml/itemProps2.xml><?xml version="1.0" encoding="utf-8"?>
-<ds:datastoreItem xmlns:ds="http://schemas.openxmlformats.org/officeDocument/2006/customXml" ds:itemID="{183E21D3-7788-4819-8437-C5C4B0C5D46D}">
-  <ds:schemaRefs>
-    <ds:schemaRef ds:uri="http://schemas.microsoft.com/office/2006/metadata/properties"/>
-    <ds:schemaRef ds:uri="http://schemas.microsoft.com/office/infopath/2007/PartnerControls"/>
-    <ds:schemaRef ds:uri="http://schemas.microsoft.com/sharepoint/v3"/>
-  </ds:schemaRefs>
-</ds:datastoreItem>
-</file>
-
 <file path=customXml/itemProps3.xml><?xml version="1.0" encoding="utf-8"?>
 <ds:datastoreItem xmlns:ds="http://schemas.openxmlformats.org/officeDocument/2006/customXml" ds:itemID="{3EBF972C-B81A-46A3-BFB2-A01F0B5DBC70}">
   <ds:schemaRefs>
